--- a/Presentation.pptx
+++ b/Presentation.pptx
@@ -2,7 +2,7 @@
 <file path=ppt/presentation.xml><?xml version="1.0" encoding="utf-8"?>
 <p:presentation xmlns:a="http://schemas.openxmlformats.org/drawingml/2006/main" xmlns:r="http://schemas.openxmlformats.org/officeDocument/2006/relationships" xmlns:p="http://schemas.openxmlformats.org/presentationml/2006/main" saveSubsetFonts="1">
   <p:sldMasterIdLst>
-    <p:sldMasterId id="2147483684" r:id="rId1"/>
+    <p:sldMasterId id="2147483708" r:id="rId1"/>
   </p:sldMasterIdLst>
   <p:notesMasterIdLst>
     <p:notesMasterId r:id="rId10"/>
@@ -5728,7 +5728,7 @@
           <a:p>
             <a:fld id="{7B4DB4D1-E4B5-42AF-BAB7-801F7D72D53C}" type="datetimeFigureOut">
               <a:rPr lang="en-DE" smtClean="0"/>
-              <a:t>14/03/2021</a:t>
+              <a:t>15/03/2021</a:t>
             </a:fld>
             <a:endParaRPr lang="en-DE"/>
           </a:p>
@@ -6127,7 +6127,7 @@
           <a:p>
             <a:fld id="{2CCD0145-C272-4A7F-8F2E-F133D3CAB9A7}" type="datetime8">
               <a:rPr lang="en-DE" smtClean="0"/>
-              <a:t>14/03/2021 16:58</a:t>
+              <a:t>15/03/2021 16:50</a:t>
             </a:fld>
             <a:endParaRPr lang="en-DE"/>
           </a:p>
@@ -6181,7 +6181,7 @@
     </p:spTree>
     <p:extLst>
       <p:ext uri="{BB962C8B-B14F-4D97-AF65-F5344CB8AC3E}">
-        <p14:creationId xmlns:p14="http://schemas.microsoft.com/office/powerpoint/2010/main" val="2833458902"/>
+        <p14:creationId xmlns:p14="http://schemas.microsoft.com/office/powerpoint/2010/main" val="1184069038"/>
       </p:ext>
     </p:extLst>
   </p:cSld>
@@ -6300,7 +6300,7 @@
           <a:p>
             <a:fld id="{20217148-0DB0-463C-9AF4-EE34980E9A15}" type="datetime8">
               <a:rPr lang="en-DE" smtClean="0"/>
-              <a:t>14/03/2021 16:58</a:t>
+              <a:t>15/03/2021 16:50</a:t>
             </a:fld>
             <a:endParaRPr lang="en-DE"/>
           </a:p>
@@ -6354,7 +6354,7 @@
     </p:spTree>
     <p:extLst>
       <p:ext uri="{BB962C8B-B14F-4D97-AF65-F5344CB8AC3E}">
-        <p14:creationId xmlns:p14="http://schemas.microsoft.com/office/powerpoint/2010/main" val="3687499744"/>
+        <p14:creationId xmlns:p14="http://schemas.microsoft.com/office/powerpoint/2010/main" val="1121739714"/>
       </p:ext>
     </p:extLst>
   </p:cSld>
@@ -6483,7 +6483,7 @@
           <a:p>
             <a:fld id="{80DDC898-51F2-4A66-AEE9-8A3E256C9FCD}" type="datetime8">
               <a:rPr lang="en-DE" smtClean="0"/>
-              <a:t>14/03/2021 16:58</a:t>
+              <a:t>15/03/2021 16:50</a:t>
             </a:fld>
             <a:endParaRPr lang="en-DE"/>
           </a:p>
@@ -6537,7 +6537,7 @@
     </p:spTree>
     <p:extLst>
       <p:ext uri="{BB962C8B-B14F-4D97-AF65-F5344CB8AC3E}">
-        <p14:creationId xmlns:p14="http://schemas.microsoft.com/office/powerpoint/2010/main" val="3342923902"/>
+        <p14:creationId xmlns:p14="http://schemas.microsoft.com/office/powerpoint/2010/main" val="2846556283"/>
       </p:ext>
     </p:extLst>
   </p:cSld>
@@ -6656,7 +6656,7 @@
           <a:p>
             <a:fld id="{457A6BB1-D3D5-49F9-82C2-05613FD1EE14}" type="datetime8">
               <a:rPr lang="en-DE" smtClean="0"/>
-              <a:t>14/03/2021 16:58</a:t>
+              <a:t>15/03/2021 16:50</a:t>
             </a:fld>
             <a:endParaRPr lang="en-DE"/>
           </a:p>
@@ -6710,7 +6710,7 @@
     </p:spTree>
     <p:extLst>
       <p:ext uri="{BB962C8B-B14F-4D97-AF65-F5344CB8AC3E}">
-        <p14:creationId xmlns:p14="http://schemas.microsoft.com/office/powerpoint/2010/main" val="2205014629"/>
+        <p14:creationId xmlns:p14="http://schemas.microsoft.com/office/powerpoint/2010/main" val="3791795024"/>
       </p:ext>
     </p:extLst>
   </p:cSld>
@@ -6905,7 +6905,7 @@
           <a:p>
             <a:fld id="{6A9CA69A-93A3-4AC5-9C2E-11B170701826}" type="datetime8">
               <a:rPr lang="en-DE" smtClean="0"/>
-              <a:t>14/03/2021 16:58</a:t>
+              <a:t>15/03/2021 16:50</a:t>
             </a:fld>
             <a:endParaRPr lang="en-DE"/>
           </a:p>
@@ -6959,7 +6959,7 @@
     </p:spTree>
     <p:extLst>
       <p:ext uri="{BB962C8B-B14F-4D97-AF65-F5344CB8AC3E}">
-        <p14:creationId xmlns:p14="http://schemas.microsoft.com/office/powerpoint/2010/main" val="2538690016"/>
+        <p14:creationId xmlns:p14="http://schemas.microsoft.com/office/powerpoint/2010/main" val="3236481635"/>
       </p:ext>
     </p:extLst>
   </p:cSld>
@@ -7140,7 +7140,7 @@
           <a:p>
             <a:fld id="{2162A70F-1389-4FFA-B01B-94386F91F7A1}" type="datetime8">
               <a:rPr lang="en-DE" smtClean="0"/>
-              <a:t>14/03/2021 16:58</a:t>
+              <a:t>15/03/2021 16:50</a:t>
             </a:fld>
             <a:endParaRPr lang="en-DE"/>
           </a:p>
@@ -7194,7 +7194,7 @@
     </p:spTree>
     <p:extLst>
       <p:ext uri="{BB962C8B-B14F-4D97-AF65-F5344CB8AC3E}">
-        <p14:creationId xmlns:p14="http://schemas.microsoft.com/office/powerpoint/2010/main" val="825979008"/>
+        <p14:creationId xmlns:p14="http://schemas.microsoft.com/office/powerpoint/2010/main" val="3355147041"/>
       </p:ext>
     </p:extLst>
   </p:cSld>
@@ -7510,7 +7510,7 @@
           <a:p>
             <a:fld id="{B5175B5C-CF1C-4B34-9EA2-DC62CAB279D4}" type="datetime8">
               <a:rPr lang="en-DE" smtClean="0"/>
-              <a:t>14/03/2021 16:58</a:t>
+              <a:t>15/03/2021 16:50</a:t>
             </a:fld>
             <a:endParaRPr lang="en-DE"/>
           </a:p>
@@ -7564,7 +7564,7 @@
     </p:spTree>
     <p:extLst>
       <p:ext uri="{BB962C8B-B14F-4D97-AF65-F5344CB8AC3E}">
-        <p14:creationId xmlns:p14="http://schemas.microsoft.com/office/powerpoint/2010/main" val="123614317"/>
+        <p14:creationId xmlns:p14="http://schemas.microsoft.com/office/powerpoint/2010/main" val="3572231294"/>
       </p:ext>
     </p:extLst>
   </p:cSld>
@@ -7631,7 +7631,7 @@
           <a:p>
             <a:fld id="{4D81D6FF-F9A5-4756-B12F-866BA3DFD718}" type="datetime8">
               <a:rPr lang="en-DE" smtClean="0"/>
-              <a:t>14/03/2021 16:58</a:t>
+              <a:t>15/03/2021 16:50</a:t>
             </a:fld>
             <a:endParaRPr lang="en-DE"/>
           </a:p>
@@ -7685,7 +7685,7 @@
     </p:spTree>
     <p:extLst>
       <p:ext uri="{BB962C8B-B14F-4D97-AF65-F5344CB8AC3E}">
-        <p14:creationId xmlns:p14="http://schemas.microsoft.com/office/powerpoint/2010/main" val="2728569859"/>
+        <p14:creationId xmlns:p14="http://schemas.microsoft.com/office/powerpoint/2010/main" val="2784739304"/>
       </p:ext>
     </p:extLst>
   </p:cSld>
@@ -7729,7 +7729,7 @@
           <a:p>
             <a:fld id="{C17A1213-C83D-4852-9DF3-50C9784D012E}" type="datetime8">
               <a:rPr lang="en-DE" smtClean="0"/>
-              <a:t>14/03/2021 16:58</a:t>
+              <a:t>15/03/2021 16:50</a:t>
             </a:fld>
             <a:endParaRPr lang="en-DE"/>
           </a:p>
@@ -7783,7 +7783,7 @@
     </p:spTree>
     <p:extLst>
       <p:ext uri="{BB962C8B-B14F-4D97-AF65-F5344CB8AC3E}">
-        <p14:creationId xmlns:p14="http://schemas.microsoft.com/office/powerpoint/2010/main" val="68159027"/>
+        <p14:creationId xmlns:p14="http://schemas.microsoft.com/office/powerpoint/2010/main" val="2505238816"/>
       </p:ext>
     </p:extLst>
   </p:cSld>
@@ -8009,7 +8009,7 @@
           <a:p>
             <a:fld id="{DD1EB08D-FCD2-4B0C-B45D-21AC0FECB68F}" type="datetime8">
               <a:rPr lang="en-DE" smtClean="0"/>
-              <a:t>14/03/2021 16:58</a:t>
+              <a:t>15/03/2021 16:50</a:t>
             </a:fld>
             <a:endParaRPr lang="en-DE"/>
           </a:p>
@@ -8063,7 +8063,7 @@
     </p:spTree>
     <p:extLst>
       <p:ext uri="{BB962C8B-B14F-4D97-AF65-F5344CB8AC3E}">
-        <p14:creationId xmlns:p14="http://schemas.microsoft.com/office/powerpoint/2010/main" val="545442725"/>
+        <p14:creationId xmlns:p14="http://schemas.microsoft.com/office/powerpoint/2010/main" val="2355113418"/>
       </p:ext>
     </p:extLst>
   </p:cSld>
@@ -8269,7 +8269,7 @@
           <a:p>
             <a:fld id="{118147FC-1422-4804-A4E5-F29F414C96E7}" type="datetime8">
               <a:rPr lang="en-DE" smtClean="0"/>
-              <a:t>14/03/2021 16:58</a:t>
+              <a:t>15/03/2021 16:50</a:t>
             </a:fld>
             <a:endParaRPr lang="en-DE"/>
           </a:p>
@@ -8323,7 +8323,7 @@
     </p:spTree>
     <p:extLst>
       <p:ext uri="{BB962C8B-B14F-4D97-AF65-F5344CB8AC3E}">
-        <p14:creationId xmlns:p14="http://schemas.microsoft.com/office/powerpoint/2010/main" val="1168584227"/>
+        <p14:creationId xmlns:p14="http://schemas.microsoft.com/office/powerpoint/2010/main" val="25083082"/>
       </p:ext>
     </p:extLst>
   </p:cSld>
@@ -8337,9 +8337,26 @@
 <p:sldMaster xmlns:a="http://schemas.openxmlformats.org/drawingml/2006/main" xmlns:r="http://schemas.openxmlformats.org/officeDocument/2006/relationships" xmlns:p="http://schemas.openxmlformats.org/presentationml/2006/main">
   <p:cSld>
     <p:bg>
-      <p:bgRef idx="1001">
-        <a:schemeClr val="bg1"/>
-      </p:bgRef>
+      <p:bgPr>
+        <a:gradFill>
+          <a:gsLst>
+            <a:gs pos="75000">
+              <a:srgbClr val="000000"/>
+            </a:gs>
+            <a:gs pos="100000">
+              <a:srgbClr val="5C005C"/>
+            </a:gs>
+            <a:gs pos="0">
+              <a:srgbClr val="1A3E3E"/>
+            </a:gs>
+            <a:gs pos="29000">
+              <a:schemeClr val="bg1"/>
+            </a:gs>
+          </a:gsLst>
+          <a:lin ang="4200000" scaled="0"/>
+        </a:gradFill>
+        <a:effectLst/>
+      </p:bgPr>
     </p:bg>
     <p:spTree>
       <p:nvGrpSpPr>
@@ -8485,7 +8502,7 @@
           <a:p>
             <a:fld id="{B3B82DA2-E42B-452B-B428-98D2B090FBF0}" type="datetime8">
               <a:rPr lang="en-DE" smtClean="0"/>
-              <a:t>14/03/2021 16:58</a:t>
+              <a:t>15/03/2021 16:50</a:t>
             </a:fld>
             <a:endParaRPr lang="en-DE"/>
           </a:p>
@@ -8575,23 +8592,23 @@
     </p:spTree>
     <p:extLst>
       <p:ext uri="{BB962C8B-B14F-4D97-AF65-F5344CB8AC3E}">
-        <p14:creationId xmlns:p14="http://schemas.microsoft.com/office/powerpoint/2010/main" val="2571951929"/>
+        <p14:creationId xmlns:p14="http://schemas.microsoft.com/office/powerpoint/2010/main" val="1126465734"/>
       </p:ext>
     </p:extLst>
   </p:cSld>
-  <p:clrMap bg1="lt1" tx1="dk1" bg2="lt2" tx2="dk2" accent1="accent1" accent2="accent2" accent3="accent3" accent4="accent4" accent5="accent5" accent6="accent6" hlink="hlink" folHlink="folHlink"/>
+  <p:clrMap bg1="dk1" tx1="lt1" bg2="dk2" tx2="lt2" accent1="accent1" accent2="accent2" accent3="accent3" accent4="accent4" accent5="accent5" accent6="accent6" hlink="hlink" folHlink="folHlink"/>
   <p:sldLayoutIdLst>
-    <p:sldLayoutId id="2147483685" r:id="rId1"/>
-    <p:sldLayoutId id="2147483686" r:id="rId2"/>
-    <p:sldLayoutId id="2147483687" r:id="rId3"/>
-    <p:sldLayoutId id="2147483688" r:id="rId4"/>
-    <p:sldLayoutId id="2147483689" r:id="rId5"/>
-    <p:sldLayoutId id="2147483690" r:id="rId6"/>
-    <p:sldLayoutId id="2147483691" r:id="rId7"/>
-    <p:sldLayoutId id="2147483692" r:id="rId8"/>
-    <p:sldLayoutId id="2147483693" r:id="rId9"/>
-    <p:sldLayoutId id="2147483694" r:id="rId10"/>
-    <p:sldLayoutId id="2147483695" r:id="rId11"/>
+    <p:sldLayoutId id="2147483709" r:id="rId1"/>
+    <p:sldLayoutId id="2147483710" r:id="rId2"/>
+    <p:sldLayoutId id="2147483711" r:id="rId3"/>
+    <p:sldLayoutId id="2147483712" r:id="rId4"/>
+    <p:sldLayoutId id="2147483713" r:id="rId5"/>
+    <p:sldLayoutId id="2147483714" r:id="rId6"/>
+    <p:sldLayoutId id="2147483715" r:id="rId7"/>
+    <p:sldLayoutId id="2147483716" r:id="rId8"/>
+    <p:sldLayoutId id="2147483717" r:id="rId9"/>
+    <p:sldLayoutId id="2147483718" r:id="rId10"/>
+    <p:sldLayoutId id="2147483719" r:id="rId11"/>
   </p:sldLayoutIdLst>
   <p:hf sldNum="0" hdr="0" ftr="0" dt="0"/>
   <p:txStyles>
@@ -8916,7 +8933,7 @@
           <a:lstStyle/>
           <a:p>
             <a:r>
-              <a:rPr lang="de-DE" dirty="0"/>
+              <a:rPr lang="de-DE"/>
               <a:t>When Code‘s Coding Code</a:t>
             </a:r>
             <a:endParaRPr lang="en-DE" dirty="0"/>
@@ -8945,7 +8962,7 @@
           <a:lstStyle/>
           <a:p>
             <a:r>
-              <a:rPr lang="en-US" dirty="0"/>
+              <a:rPr lang="en-US"/>
               <a:t>With C# Source Generators to higher-order coding</a:t>
             </a:r>
             <a:endParaRPr lang="en-DE" dirty="0"/>
@@ -9494,7 +9511,16 @@
             </a:r>
           </a:p>
           <a:p>
-            <a:endParaRPr lang="en-DE" dirty="0"/>
+            <a:r>
+              <a:rPr lang="en-US" dirty="0"/>
+              <a:t>Diagnostics at build time</a:t>
+            </a:r>
+          </a:p>
+          <a:p>
+            <a:r>
+              <a:rPr lang="en-US" dirty="0"/>
+              <a:t>Potentially able to consume external files</a:t>
+            </a:r>
           </a:p>
         </p:txBody>
       </p:sp>
@@ -10551,7 +10577,7 @@
   <a:extraClrSchemeLst/>
   <a:extLst>
     <a:ext uri="{05A4C25C-085E-4340-85A3-A5531E510DB2}">
-      <thm15:themeFamily xmlns:thm15="http://schemas.microsoft.com/office/thememl/2012/main" name="Office Theme" id="{62F939B6-93AF-4DB8-9C6B-D6C7DFDC589F}" vid="{4A3C46E8-61CC-4603-A589-7422A47A8E4A}"/>
+      <thm15:themeFamily xmlns:thm15="http://schemas.microsoft.com/office/thememl/2012/main" name="Office Theme" id="{62F939B6-93AF-4DB8-9C6B-D6C7DFDC589F}" vid="{4F46216B-77A9-411A-B9D3-5023FCB70208}"/>
     </a:ext>
   </a:extLst>
 </a:theme>

--- a/Presentation.pptx
+++ b/Presentation.pptx
@@ -5,7 +5,7 @@
     <p:sldMasterId id="2147483708" r:id="rId1"/>
   </p:sldMasterIdLst>
   <p:notesMasterIdLst>
-    <p:notesMasterId r:id="rId10"/>
+    <p:notesMasterId r:id="rId11"/>
   </p:notesMasterIdLst>
   <p:sldIdLst>
     <p:sldId id="256" r:id="rId2"/>
@@ -16,6 +16,7 @@
     <p:sldId id="257" r:id="rId7"/>
     <p:sldId id="262" r:id="rId8"/>
     <p:sldId id="263" r:id="rId9"/>
+    <p:sldId id="264" r:id="rId10"/>
   </p:sldIdLst>
   <p:sldSz cx="12192000" cy="6858000"/>
   <p:notesSz cx="6858000" cy="9144000"/>
@@ -127,6 +128,7 @@
             <p14:sldId id="257"/>
             <p14:sldId id="262"/>
             <p14:sldId id="263"/>
+            <p14:sldId id="264"/>
           </p14:sldIdLst>
         </p14:section>
       </p14:sectionLst>
@@ -8962,7 +8964,7 @@
           <a:lstStyle/>
           <a:p>
             <a:r>
-              <a:rPr lang="en-US"/>
+              <a:rPr lang="en-US" dirty="0"/>
               <a:t>With C# Source Generators to higher-order coding</a:t>
             </a:r>
             <a:endParaRPr lang="en-DE" dirty="0"/>
@@ -9085,6 +9087,235 @@
   <p:clrMapOvr>
     <a:masterClrMapping/>
   </p:clrMapOvr>
+  <p:timing>
+    <p:tnLst>
+      <p:par>
+        <p:cTn id="1" dur="indefinite" restart="never" nodeType="tmRoot">
+          <p:childTnLst>
+            <p:seq concurrent="1" nextAc="seek">
+              <p:cTn id="2" dur="indefinite" nodeType="mainSeq">
+                <p:childTnLst>
+                  <p:par>
+                    <p:cTn id="3" fill="hold">
+                      <p:stCondLst>
+                        <p:cond delay="indefinite"/>
+                      </p:stCondLst>
+                      <p:childTnLst>
+                        <p:par>
+                          <p:cTn id="4" fill="hold">
+                            <p:stCondLst>
+                              <p:cond delay="0"/>
+                            </p:stCondLst>
+                            <p:childTnLst>
+                              <p:par>
+                                <p:cTn id="5" presetID="1" presetClass="entr" presetSubtype="0" fill="hold" grpId="0" nodeType="clickEffect">
+                                  <p:stCondLst>
+                                    <p:cond delay="0"/>
+                                  </p:stCondLst>
+                                  <p:childTnLst>
+                                    <p:set>
+                                      <p:cBhvr>
+                                        <p:cTn id="6" dur="1" fill="hold">
+                                          <p:stCondLst>
+                                            <p:cond delay="0"/>
+                                          </p:stCondLst>
+                                        </p:cTn>
+                                        <p:tgtEl>
+                                          <p:spTgt spid="3">
+                                            <p:txEl>
+                                              <p:pRg st="0" end="0"/>
+                                            </p:txEl>
+                                          </p:spTgt>
+                                        </p:tgtEl>
+                                        <p:attrNameLst>
+                                          <p:attrName>style.visibility</p:attrName>
+                                        </p:attrNameLst>
+                                      </p:cBhvr>
+                                      <p:to>
+                                        <p:strVal val="visible"/>
+                                      </p:to>
+                                    </p:set>
+                                  </p:childTnLst>
+                                </p:cTn>
+                              </p:par>
+                            </p:childTnLst>
+                          </p:cTn>
+                        </p:par>
+                      </p:childTnLst>
+                    </p:cTn>
+                  </p:par>
+                  <p:par>
+                    <p:cTn id="7" fill="hold">
+                      <p:stCondLst>
+                        <p:cond delay="indefinite"/>
+                      </p:stCondLst>
+                      <p:childTnLst>
+                        <p:par>
+                          <p:cTn id="8" fill="hold">
+                            <p:stCondLst>
+                              <p:cond delay="0"/>
+                            </p:stCondLst>
+                            <p:childTnLst>
+                              <p:par>
+                                <p:cTn id="9" presetID="1" presetClass="entr" presetSubtype="0" fill="hold" grpId="0" nodeType="clickEffect">
+                                  <p:stCondLst>
+                                    <p:cond delay="0"/>
+                                  </p:stCondLst>
+                                  <p:childTnLst>
+                                    <p:set>
+                                      <p:cBhvr>
+                                        <p:cTn id="10" dur="1" fill="hold">
+                                          <p:stCondLst>
+                                            <p:cond delay="0"/>
+                                          </p:stCondLst>
+                                        </p:cTn>
+                                        <p:tgtEl>
+                                          <p:spTgt spid="3">
+                                            <p:txEl>
+                                              <p:pRg st="1" end="1"/>
+                                            </p:txEl>
+                                          </p:spTgt>
+                                        </p:tgtEl>
+                                        <p:attrNameLst>
+                                          <p:attrName>style.visibility</p:attrName>
+                                        </p:attrNameLst>
+                                      </p:cBhvr>
+                                      <p:to>
+                                        <p:strVal val="visible"/>
+                                      </p:to>
+                                    </p:set>
+                                  </p:childTnLst>
+                                </p:cTn>
+                              </p:par>
+                            </p:childTnLst>
+                          </p:cTn>
+                        </p:par>
+                      </p:childTnLst>
+                    </p:cTn>
+                  </p:par>
+                  <p:par>
+                    <p:cTn id="11" fill="hold">
+                      <p:stCondLst>
+                        <p:cond delay="indefinite"/>
+                      </p:stCondLst>
+                      <p:childTnLst>
+                        <p:par>
+                          <p:cTn id="12" fill="hold">
+                            <p:stCondLst>
+                              <p:cond delay="0"/>
+                            </p:stCondLst>
+                            <p:childTnLst>
+                              <p:par>
+                                <p:cTn id="13" presetID="1" presetClass="entr" presetSubtype="0" fill="hold" grpId="0" nodeType="clickEffect">
+                                  <p:stCondLst>
+                                    <p:cond delay="0"/>
+                                  </p:stCondLst>
+                                  <p:childTnLst>
+                                    <p:set>
+                                      <p:cBhvr>
+                                        <p:cTn id="14" dur="1" fill="hold">
+                                          <p:stCondLst>
+                                            <p:cond delay="0"/>
+                                          </p:stCondLst>
+                                        </p:cTn>
+                                        <p:tgtEl>
+                                          <p:spTgt spid="3">
+                                            <p:txEl>
+                                              <p:pRg st="2" end="2"/>
+                                            </p:txEl>
+                                          </p:spTgt>
+                                        </p:tgtEl>
+                                        <p:attrNameLst>
+                                          <p:attrName>style.visibility</p:attrName>
+                                        </p:attrNameLst>
+                                      </p:cBhvr>
+                                      <p:to>
+                                        <p:strVal val="visible"/>
+                                      </p:to>
+                                    </p:set>
+                                  </p:childTnLst>
+                                </p:cTn>
+                              </p:par>
+                            </p:childTnLst>
+                          </p:cTn>
+                        </p:par>
+                      </p:childTnLst>
+                    </p:cTn>
+                  </p:par>
+                  <p:par>
+                    <p:cTn id="15" fill="hold">
+                      <p:stCondLst>
+                        <p:cond delay="indefinite"/>
+                      </p:stCondLst>
+                      <p:childTnLst>
+                        <p:par>
+                          <p:cTn id="16" fill="hold">
+                            <p:stCondLst>
+                              <p:cond delay="0"/>
+                            </p:stCondLst>
+                            <p:childTnLst>
+                              <p:par>
+                                <p:cTn id="17" presetID="1" presetClass="entr" presetSubtype="0" fill="hold" grpId="0" nodeType="clickEffect">
+                                  <p:stCondLst>
+                                    <p:cond delay="0"/>
+                                  </p:stCondLst>
+                                  <p:childTnLst>
+                                    <p:set>
+                                      <p:cBhvr>
+                                        <p:cTn id="18" dur="1" fill="hold">
+                                          <p:stCondLst>
+                                            <p:cond delay="0"/>
+                                          </p:stCondLst>
+                                        </p:cTn>
+                                        <p:tgtEl>
+                                          <p:spTgt spid="3">
+                                            <p:txEl>
+                                              <p:pRg st="3" end="3"/>
+                                            </p:txEl>
+                                          </p:spTgt>
+                                        </p:tgtEl>
+                                        <p:attrNameLst>
+                                          <p:attrName>style.visibility</p:attrName>
+                                        </p:attrNameLst>
+                                      </p:cBhvr>
+                                      <p:to>
+                                        <p:strVal val="visible"/>
+                                      </p:to>
+                                    </p:set>
+                                  </p:childTnLst>
+                                </p:cTn>
+                              </p:par>
+                            </p:childTnLst>
+                          </p:cTn>
+                        </p:par>
+                      </p:childTnLst>
+                    </p:cTn>
+                  </p:par>
+                </p:childTnLst>
+              </p:cTn>
+              <p:prevCondLst>
+                <p:cond evt="onPrev" delay="0">
+                  <p:tgtEl>
+                    <p:sldTgt/>
+                  </p:tgtEl>
+                </p:cond>
+              </p:prevCondLst>
+              <p:nextCondLst>
+                <p:cond evt="onNext" delay="0">
+                  <p:tgtEl>
+                    <p:sldTgt/>
+                  </p:tgtEl>
+                </p:cond>
+              </p:nextCondLst>
+            </p:seq>
+          </p:childTnLst>
+        </p:cTn>
+      </p:par>
+    </p:tnLst>
+    <p:bldLst>
+      <p:bldP spid="3" grpId="0" build="p"/>
+    </p:bldLst>
+  </p:timing>
 </p:sld>
 </file>
 
@@ -9192,6 +9423,186 @@
   <p:clrMapOvr>
     <a:masterClrMapping/>
   </p:clrMapOvr>
+  <p:timing>
+    <p:tnLst>
+      <p:par>
+        <p:cTn id="1" dur="indefinite" restart="never" nodeType="tmRoot">
+          <p:childTnLst>
+            <p:seq concurrent="1" nextAc="seek">
+              <p:cTn id="2" dur="indefinite" nodeType="mainSeq">
+                <p:childTnLst>
+                  <p:par>
+                    <p:cTn id="3" fill="hold">
+                      <p:stCondLst>
+                        <p:cond delay="indefinite"/>
+                      </p:stCondLst>
+                      <p:childTnLst>
+                        <p:par>
+                          <p:cTn id="4" fill="hold">
+                            <p:stCondLst>
+                              <p:cond delay="0"/>
+                            </p:stCondLst>
+                            <p:childTnLst>
+                              <p:par>
+                                <p:cTn id="5" presetID="1" presetClass="entr" presetSubtype="0" fill="hold" grpId="0" nodeType="clickEffect">
+                                  <p:stCondLst>
+                                    <p:cond delay="0"/>
+                                  </p:stCondLst>
+                                  <p:childTnLst>
+                                    <p:set>
+                                      <p:cBhvr>
+                                        <p:cTn id="6" dur="1" fill="hold">
+                                          <p:stCondLst>
+                                            <p:cond delay="0"/>
+                                          </p:stCondLst>
+                                        </p:cTn>
+                                        <p:tgtEl>
+                                          <p:spTgt spid="3">
+                                            <p:txEl>
+                                              <p:pRg st="0" end="0"/>
+                                            </p:txEl>
+                                          </p:spTgt>
+                                        </p:tgtEl>
+                                        <p:attrNameLst>
+                                          <p:attrName>style.visibility</p:attrName>
+                                        </p:attrNameLst>
+                                      </p:cBhvr>
+                                      <p:to>
+                                        <p:strVal val="visible"/>
+                                      </p:to>
+                                    </p:set>
+                                  </p:childTnLst>
+                                </p:cTn>
+                              </p:par>
+                            </p:childTnLst>
+                          </p:cTn>
+                        </p:par>
+                      </p:childTnLst>
+                    </p:cTn>
+                  </p:par>
+                  <p:par>
+                    <p:cTn id="7" fill="hold">
+                      <p:stCondLst>
+                        <p:cond delay="indefinite"/>
+                      </p:stCondLst>
+                      <p:childTnLst>
+                        <p:par>
+                          <p:cTn id="8" fill="hold">
+                            <p:stCondLst>
+                              <p:cond delay="0"/>
+                            </p:stCondLst>
+                            <p:childTnLst>
+                              <p:par>
+                                <p:cTn id="9" presetID="1" presetClass="entr" presetSubtype="0" fill="hold" grpId="0" nodeType="clickEffect">
+                                  <p:stCondLst>
+                                    <p:cond delay="0"/>
+                                  </p:stCondLst>
+                                  <p:childTnLst>
+                                    <p:set>
+                                      <p:cBhvr>
+                                        <p:cTn id="10" dur="1" fill="hold">
+                                          <p:stCondLst>
+                                            <p:cond delay="0"/>
+                                          </p:stCondLst>
+                                        </p:cTn>
+                                        <p:tgtEl>
+                                          <p:spTgt spid="3">
+                                            <p:txEl>
+                                              <p:pRg st="1" end="1"/>
+                                            </p:txEl>
+                                          </p:spTgt>
+                                        </p:tgtEl>
+                                        <p:attrNameLst>
+                                          <p:attrName>style.visibility</p:attrName>
+                                        </p:attrNameLst>
+                                      </p:cBhvr>
+                                      <p:to>
+                                        <p:strVal val="visible"/>
+                                      </p:to>
+                                    </p:set>
+                                  </p:childTnLst>
+                                </p:cTn>
+                              </p:par>
+                            </p:childTnLst>
+                          </p:cTn>
+                        </p:par>
+                      </p:childTnLst>
+                    </p:cTn>
+                  </p:par>
+                  <p:par>
+                    <p:cTn id="11" fill="hold">
+                      <p:stCondLst>
+                        <p:cond delay="indefinite"/>
+                      </p:stCondLst>
+                      <p:childTnLst>
+                        <p:par>
+                          <p:cTn id="12" fill="hold">
+                            <p:stCondLst>
+                              <p:cond delay="0"/>
+                            </p:stCondLst>
+                            <p:childTnLst>
+                              <p:par>
+                                <p:cTn id="13" presetID="1" presetClass="entr" presetSubtype="0" fill="hold" grpId="0" nodeType="clickEffect">
+                                  <p:stCondLst>
+                                    <p:cond delay="0"/>
+                                  </p:stCondLst>
+                                  <p:childTnLst>
+                                    <p:set>
+                                      <p:cBhvr>
+                                        <p:cTn id="14" dur="1" fill="hold">
+                                          <p:stCondLst>
+                                            <p:cond delay="0"/>
+                                          </p:stCondLst>
+                                        </p:cTn>
+                                        <p:tgtEl>
+                                          <p:spTgt spid="3">
+                                            <p:txEl>
+                                              <p:pRg st="2" end="2"/>
+                                            </p:txEl>
+                                          </p:spTgt>
+                                        </p:tgtEl>
+                                        <p:attrNameLst>
+                                          <p:attrName>style.visibility</p:attrName>
+                                        </p:attrNameLst>
+                                      </p:cBhvr>
+                                      <p:to>
+                                        <p:strVal val="visible"/>
+                                      </p:to>
+                                    </p:set>
+                                  </p:childTnLst>
+                                </p:cTn>
+                              </p:par>
+                            </p:childTnLst>
+                          </p:cTn>
+                        </p:par>
+                      </p:childTnLst>
+                    </p:cTn>
+                  </p:par>
+                </p:childTnLst>
+              </p:cTn>
+              <p:prevCondLst>
+                <p:cond evt="onPrev" delay="0">
+                  <p:tgtEl>
+                    <p:sldTgt/>
+                  </p:tgtEl>
+                </p:cond>
+              </p:prevCondLst>
+              <p:nextCondLst>
+                <p:cond evt="onNext" delay="0">
+                  <p:tgtEl>
+                    <p:sldTgt/>
+                  </p:tgtEl>
+                </p:cond>
+              </p:nextCondLst>
+            </p:seq>
+          </p:childTnLst>
+        </p:cTn>
+      </p:par>
+    </p:tnLst>
+    <p:bldLst>
+      <p:bldP spid="3" grpId="0" build="p"/>
+    </p:bldLst>
+  </p:timing>
 </p:sld>
 </file>
 
@@ -9292,6 +9703,186 @@
   <p:clrMapOvr>
     <a:masterClrMapping/>
   </p:clrMapOvr>
+  <p:timing>
+    <p:tnLst>
+      <p:par>
+        <p:cTn id="1" dur="indefinite" restart="never" nodeType="tmRoot">
+          <p:childTnLst>
+            <p:seq concurrent="1" nextAc="seek">
+              <p:cTn id="2" dur="indefinite" nodeType="mainSeq">
+                <p:childTnLst>
+                  <p:par>
+                    <p:cTn id="3" fill="hold">
+                      <p:stCondLst>
+                        <p:cond delay="indefinite"/>
+                      </p:stCondLst>
+                      <p:childTnLst>
+                        <p:par>
+                          <p:cTn id="4" fill="hold">
+                            <p:stCondLst>
+                              <p:cond delay="0"/>
+                            </p:stCondLst>
+                            <p:childTnLst>
+                              <p:par>
+                                <p:cTn id="5" presetID="1" presetClass="entr" presetSubtype="0" fill="hold" grpId="0" nodeType="clickEffect">
+                                  <p:stCondLst>
+                                    <p:cond delay="0"/>
+                                  </p:stCondLst>
+                                  <p:childTnLst>
+                                    <p:set>
+                                      <p:cBhvr>
+                                        <p:cTn id="6" dur="1" fill="hold">
+                                          <p:stCondLst>
+                                            <p:cond delay="0"/>
+                                          </p:stCondLst>
+                                        </p:cTn>
+                                        <p:tgtEl>
+                                          <p:spTgt spid="3">
+                                            <p:txEl>
+                                              <p:pRg st="0" end="0"/>
+                                            </p:txEl>
+                                          </p:spTgt>
+                                        </p:tgtEl>
+                                        <p:attrNameLst>
+                                          <p:attrName>style.visibility</p:attrName>
+                                        </p:attrNameLst>
+                                      </p:cBhvr>
+                                      <p:to>
+                                        <p:strVal val="visible"/>
+                                      </p:to>
+                                    </p:set>
+                                  </p:childTnLst>
+                                </p:cTn>
+                              </p:par>
+                            </p:childTnLst>
+                          </p:cTn>
+                        </p:par>
+                      </p:childTnLst>
+                    </p:cTn>
+                  </p:par>
+                  <p:par>
+                    <p:cTn id="7" fill="hold">
+                      <p:stCondLst>
+                        <p:cond delay="indefinite"/>
+                      </p:stCondLst>
+                      <p:childTnLst>
+                        <p:par>
+                          <p:cTn id="8" fill="hold">
+                            <p:stCondLst>
+                              <p:cond delay="0"/>
+                            </p:stCondLst>
+                            <p:childTnLst>
+                              <p:par>
+                                <p:cTn id="9" presetID="1" presetClass="entr" presetSubtype="0" fill="hold" grpId="0" nodeType="clickEffect">
+                                  <p:stCondLst>
+                                    <p:cond delay="0"/>
+                                  </p:stCondLst>
+                                  <p:childTnLst>
+                                    <p:set>
+                                      <p:cBhvr>
+                                        <p:cTn id="10" dur="1" fill="hold">
+                                          <p:stCondLst>
+                                            <p:cond delay="0"/>
+                                          </p:stCondLst>
+                                        </p:cTn>
+                                        <p:tgtEl>
+                                          <p:spTgt spid="3">
+                                            <p:txEl>
+                                              <p:pRg st="1" end="1"/>
+                                            </p:txEl>
+                                          </p:spTgt>
+                                        </p:tgtEl>
+                                        <p:attrNameLst>
+                                          <p:attrName>style.visibility</p:attrName>
+                                        </p:attrNameLst>
+                                      </p:cBhvr>
+                                      <p:to>
+                                        <p:strVal val="visible"/>
+                                      </p:to>
+                                    </p:set>
+                                  </p:childTnLst>
+                                </p:cTn>
+                              </p:par>
+                            </p:childTnLst>
+                          </p:cTn>
+                        </p:par>
+                      </p:childTnLst>
+                    </p:cTn>
+                  </p:par>
+                  <p:par>
+                    <p:cTn id="11" fill="hold">
+                      <p:stCondLst>
+                        <p:cond delay="indefinite"/>
+                      </p:stCondLst>
+                      <p:childTnLst>
+                        <p:par>
+                          <p:cTn id="12" fill="hold">
+                            <p:stCondLst>
+                              <p:cond delay="0"/>
+                            </p:stCondLst>
+                            <p:childTnLst>
+                              <p:par>
+                                <p:cTn id="13" presetID="1" presetClass="entr" presetSubtype="0" fill="hold" grpId="0" nodeType="clickEffect">
+                                  <p:stCondLst>
+                                    <p:cond delay="0"/>
+                                  </p:stCondLst>
+                                  <p:childTnLst>
+                                    <p:set>
+                                      <p:cBhvr>
+                                        <p:cTn id="14" dur="1" fill="hold">
+                                          <p:stCondLst>
+                                            <p:cond delay="0"/>
+                                          </p:stCondLst>
+                                        </p:cTn>
+                                        <p:tgtEl>
+                                          <p:spTgt spid="3">
+                                            <p:txEl>
+                                              <p:pRg st="2" end="2"/>
+                                            </p:txEl>
+                                          </p:spTgt>
+                                        </p:tgtEl>
+                                        <p:attrNameLst>
+                                          <p:attrName>style.visibility</p:attrName>
+                                        </p:attrNameLst>
+                                      </p:cBhvr>
+                                      <p:to>
+                                        <p:strVal val="visible"/>
+                                      </p:to>
+                                    </p:set>
+                                  </p:childTnLst>
+                                </p:cTn>
+                              </p:par>
+                            </p:childTnLst>
+                          </p:cTn>
+                        </p:par>
+                      </p:childTnLst>
+                    </p:cTn>
+                  </p:par>
+                </p:childTnLst>
+              </p:cTn>
+              <p:prevCondLst>
+                <p:cond evt="onPrev" delay="0">
+                  <p:tgtEl>
+                    <p:sldTgt/>
+                  </p:tgtEl>
+                </p:cond>
+              </p:prevCondLst>
+              <p:nextCondLst>
+                <p:cond evt="onNext" delay="0">
+                  <p:tgtEl>
+                    <p:sldTgt/>
+                  </p:tgtEl>
+                </p:cond>
+              </p:nextCondLst>
+            </p:seq>
+          </p:childTnLst>
+        </p:cTn>
+      </p:par>
+    </p:tnLst>
+    <p:bldLst>
+      <p:bldP spid="3" grpId="0" build="p"/>
+    </p:bldLst>
+  </p:timing>
 </p:sld>
 </file>
 
@@ -9571,6 +10162,409 @@
   <p:clrMapOvr>
     <a:masterClrMapping/>
   </p:clrMapOvr>
+  <p:timing>
+    <p:tnLst>
+      <p:par>
+        <p:cTn id="1" dur="indefinite" restart="never" nodeType="tmRoot">
+          <p:childTnLst>
+            <p:seq concurrent="1" nextAc="seek">
+              <p:cTn id="2" dur="indefinite" nodeType="mainSeq">
+                <p:childTnLst>
+                  <p:par>
+                    <p:cTn id="3" fill="hold">
+                      <p:stCondLst>
+                        <p:cond delay="indefinite"/>
+                      </p:stCondLst>
+                      <p:childTnLst>
+                        <p:par>
+                          <p:cTn id="4" fill="hold">
+                            <p:stCondLst>
+                              <p:cond delay="0"/>
+                            </p:stCondLst>
+                            <p:childTnLst>
+                              <p:par>
+                                <p:cTn id="5" presetID="1" presetClass="entr" presetSubtype="0" fill="hold" grpId="0" nodeType="clickEffect">
+                                  <p:stCondLst>
+                                    <p:cond delay="0"/>
+                                  </p:stCondLst>
+                                  <p:childTnLst>
+                                    <p:set>
+                                      <p:cBhvr>
+                                        <p:cTn id="6" dur="1" fill="hold">
+                                          <p:stCondLst>
+                                            <p:cond delay="0"/>
+                                          </p:stCondLst>
+                                        </p:cTn>
+                                        <p:tgtEl>
+                                          <p:spTgt spid="11">
+                                            <p:txEl>
+                                              <p:pRg st="0" end="0"/>
+                                            </p:txEl>
+                                          </p:spTgt>
+                                        </p:tgtEl>
+                                        <p:attrNameLst>
+                                          <p:attrName>style.visibility</p:attrName>
+                                        </p:attrNameLst>
+                                      </p:cBhvr>
+                                      <p:to>
+                                        <p:strVal val="visible"/>
+                                      </p:to>
+                                    </p:set>
+                                  </p:childTnLst>
+                                </p:cTn>
+                              </p:par>
+                              <p:par>
+                                <p:cTn id="7" presetID="1" presetClass="entr" presetSubtype="0" fill="hold" grpId="0" nodeType="withEffect">
+                                  <p:stCondLst>
+                                    <p:cond delay="0"/>
+                                  </p:stCondLst>
+                                  <p:childTnLst>
+                                    <p:set>
+                                      <p:cBhvr>
+                                        <p:cTn id="8" dur="1" fill="hold">
+                                          <p:stCondLst>
+                                            <p:cond delay="0"/>
+                                          </p:stCondLst>
+                                        </p:cTn>
+                                        <p:tgtEl>
+                                          <p:spTgt spid="13">
+                                            <p:txEl>
+                                              <p:pRg st="0" end="0"/>
+                                            </p:txEl>
+                                          </p:spTgt>
+                                        </p:tgtEl>
+                                        <p:attrNameLst>
+                                          <p:attrName>style.visibility</p:attrName>
+                                        </p:attrNameLst>
+                                      </p:cBhvr>
+                                      <p:to>
+                                        <p:strVal val="visible"/>
+                                      </p:to>
+                                    </p:set>
+                                  </p:childTnLst>
+                                </p:cTn>
+                              </p:par>
+                            </p:childTnLst>
+                          </p:cTn>
+                        </p:par>
+                      </p:childTnLst>
+                    </p:cTn>
+                  </p:par>
+                  <p:par>
+                    <p:cTn id="9" fill="hold">
+                      <p:stCondLst>
+                        <p:cond delay="indefinite"/>
+                      </p:stCondLst>
+                      <p:childTnLst>
+                        <p:par>
+                          <p:cTn id="10" fill="hold">
+                            <p:stCondLst>
+                              <p:cond delay="0"/>
+                            </p:stCondLst>
+                            <p:childTnLst>
+                              <p:par>
+                                <p:cTn id="11" presetID="1" presetClass="entr" presetSubtype="0" fill="hold" grpId="0" nodeType="clickEffect">
+                                  <p:stCondLst>
+                                    <p:cond delay="0"/>
+                                  </p:stCondLst>
+                                  <p:childTnLst>
+                                    <p:set>
+                                      <p:cBhvr>
+                                        <p:cTn id="12" dur="1" fill="hold">
+                                          <p:stCondLst>
+                                            <p:cond delay="0"/>
+                                          </p:stCondLst>
+                                        </p:cTn>
+                                        <p:tgtEl>
+                                          <p:spTgt spid="11">
+                                            <p:txEl>
+                                              <p:pRg st="1" end="1"/>
+                                            </p:txEl>
+                                          </p:spTgt>
+                                        </p:tgtEl>
+                                        <p:attrNameLst>
+                                          <p:attrName>style.visibility</p:attrName>
+                                        </p:attrNameLst>
+                                      </p:cBhvr>
+                                      <p:to>
+                                        <p:strVal val="visible"/>
+                                      </p:to>
+                                    </p:set>
+                                  </p:childTnLst>
+                                </p:cTn>
+                              </p:par>
+                              <p:par>
+                                <p:cTn id="13" presetID="1" presetClass="entr" presetSubtype="0" fill="hold" grpId="0" nodeType="withEffect">
+                                  <p:stCondLst>
+                                    <p:cond delay="0"/>
+                                  </p:stCondLst>
+                                  <p:childTnLst>
+                                    <p:set>
+                                      <p:cBhvr>
+                                        <p:cTn id="14" dur="1" fill="hold">
+                                          <p:stCondLst>
+                                            <p:cond delay="0"/>
+                                          </p:stCondLst>
+                                        </p:cTn>
+                                        <p:tgtEl>
+                                          <p:spTgt spid="13">
+                                            <p:txEl>
+                                              <p:pRg st="1" end="1"/>
+                                            </p:txEl>
+                                          </p:spTgt>
+                                        </p:tgtEl>
+                                        <p:attrNameLst>
+                                          <p:attrName>style.visibility</p:attrName>
+                                        </p:attrNameLst>
+                                      </p:cBhvr>
+                                      <p:to>
+                                        <p:strVal val="visible"/>
+                                      </p:to>
+                                    </p:set>
+                                  </p:childTnLst>
+                                </p:cTn>
+                              </p:par>
+                            </p:childTnLst>
+                          </p:cTn>
+                        </p:par>
+                      </p:childTnLst>
+                    </p:cTn>
+                  </p:par>
+                  <p:par>
+                    <p:cTn id="15" fill="hold">
+                      <p:stCondLst>
+                        <p:cond delay="indefinite"/>
+                      </p:stCondLst>
+                      <p:childTnLst>
+                        <p:par>
+                          <p:cTn id="16" fill="hold">
+                            <p:stCondLst>
+                              <p:cond delay="0"/>
+                            </p:stCondLst>
+                            <p:childTnLst>
+                              <p:par>
+                                <p:cTn id="17" presetID="1" presetClass="entr" presetSubtype="0" fill="hold" grpId="0" nodeType="clickEffect">
+                                  <p:stCondLst>
+                                    <p:cond delay="0"/>
+                                  </p:stCondLst>
+                                  <p:childTnLst>
+                                    <p:set>
+                                      <p:cBhvr>
+                                        <p:cTn id="18" dur="1" fill="hold">
+                                          <p:stCondLst>
+                                            <p:cond delay="0"/>
+                                          </p:stCondLst>
+                                        </p:cTn>
+                                        <p:tgtEl>
+                                          <p:spTgt spid="11">
+                                            <p:txEl>
+                                              <p:pRg st="2" end="2"/>
+                                            </p:txEl>
+                                          </p:spTgt>
+                                        </p:tgtEl>
+                                        <p:attrNameLst>
+                                          <p:attrName>style.visibility</p:attrName>
+                                        </p:attrNameLst>
+                                      </p:cBhvr>
+                                      <p:to>
+                                        <p:strVal val="visible"/>
+                                      </p:to>
+                                    </p:set>
+                                  </p:childTnLst>
+                                </p:cTn>
+                              </p:par>
+                            </p:childTnLst>
+                          </p:cTn>
+                        </p:par>
+                      </p:childTnLst>
+                    </p:cTn>
+                  </p:par>
+                  <p:par>
+                    <p:cTn id="19" fill="hold">
+                      <p:stCondLst>
+                        <p:cond delay="indefinite"/>
+                      </p:stCondLst>
+                      <p:childTnLst>
+                        <p:par>
+                          <p:cTn id="20" fill="hold">
+                            <p:stCondLst>
+                              <p:cond delay="0"/>
+                            </p:stCondLst>
+                            <p:childTnLst>
+                              <p:par>
+                                <p:cTn id="21" presetID="1" presetClass="entr" presetSubtype="0" fill="hold" grpId="0" nodeType="clickEffect">
+                                  <p:stCondLst>
+                                    <p:cond delay="0"/>
+                                  </p:stCondLst>
+                                  <p:childTnLst>
+                                    <p:set>
+                                      <p:cBhvr>
+                                        <p:cTn id="22" dur="1" fill="hold">
+                                          <p:stCondLst>
+                                            <p:cond delay="0"/>
+                                          </p:stCondLst>
+                                        </p:cTn>
+                                        <p:tgtEl>
+                                          <p:spTgt spid="13">
+                                            <p:txEl>
+                                              <p:pRg st="2" end="2"/>
+                                            </p:txEl>
+                                          </p:spTgt>
+                                        </p:tgtEl>
+                                        <p:attrNameLst>
+                                          <p:attrName>style.visibility</p:attrName>
+                                        </p:attrNameLst>
+                                      </p:cBhvr>
+                                      <p:to>
+                                        <p:strVal val="visible"/>
+                                      </p:to>
+                                    </p:set>
+                                  </p:childTnLst>
+                                </p:cTn>
+                              </p:par>
+                              <p:par>
+                                <p:cTn id="23" presetID="1" presetClass="entr" presetSubtype="0" fill="hold" grpId="0" nodeType="withEffect">
+                                  <p:stCondLst>
+                                    <p:cond delay="0"/>
+                                  </p:stCondLst>
+                                  <p:childTnLst>
+                                    <p:set>
+                                      <p:cBhvr>
+                                        <p:cTn id="24" dur="1" fill="hold">
+                                          <p:stCondLst>
+                                            <p:cond delay="0"/>
+                                          </p:stCondLst>
+                                        </p:cTn>
+                                        <p:tgtEl>
+                                          <p:spTgt spid="11">
+                                            <p:txEl>
+                                              <p:pRg st="3" end="3"/>
+                                            </p:txEl>
+                                          </p:spTgt>
+                                        </p:tgtEl>
+                                        <p:attrNameLst>
+                                          <p:attrName>style.visibility</p:attrName>
+                                        </p:attrNameLst>
+                                      </p:cBhvr>
+                                      <p:to>
+                                        <p:strVal val="visible"/>
+                                      </p:to>
+                                    </p:set>
+                                  </p:childTnLst>
+                                </p:cTn>
+                              </p:par>
+                            </p:childTnLst>
+                          </p:cTn>
+                        </p:par>
+                      </p:childTnLst>
+                    </p:cTn>
+                  </p:par>
+                  <p:par>
+                    <p:cTn id="25" fill="hold">
+                      <p:stCondLst>
+                        <p:cond delay="indefinite"/>
+                      </p:stCondLst>
+                      <p:childTnLst>
+                        <p:par>
+                          <p:cTn id="26" fill="hold">
+                            <p:stCondLst>
+                              <p:cond delay="0"/>
+                            </p:stCondLst>
+                            <p:childTnLst>
+                              <p:par>
+                                <p:cTn id="27" presetID="1" presetClass="entr" presetSubtype="0" fill="hold" grpId="0" nodeType="clickEffect">
+                                  <p:stCondLst>
+                                    <p:cond delay="0"/>
+                                  </p:stCondLst>
+                                  <p:childTnLst>
+                                    <p:set>
+                                      <p:cBhvr>
+                                        <p:cTn id="28" dur="1" fill="hold">
+                                          <p:stCondLst>
+                                            <p:cond delay="0"/>
+                                          </p:stCondLst>
+                                        </p:cTn>
+                                        <p:tgtEl>
+                                          <p:spTgt spid="13">
+                                            <p:txEl>
+                                              <p:pRg st="3" end="3"/>
+                                            </p:txEl>
+                                          </p:spTgt>
+                                        </p:tgtEl>
+                                        <p:attrNameLst>
+                                          <p:attrName>style.visibility</p:attrName>
+                                        </p:attrNameLst>
+                                      </p:cBhvr>
+                                      <p:to>
+                                        <p:strVal val="visible"/>
+                                      </p:to>
+                                    </p:set>
+                                  </p:childTnLst>
+                                </p:cTn>
+                              </p:par>
+                              <p:par>
+                                <p:cTn id="29" presetID="1" presetClass="entr" presetSubtype="0" fill="hold" grpId="0" nodeType="withEffect">
+                                  <p:stCondLst>
+                                    <p:cond delay="0"/>
+                                  </p:stCondLst>
+                                  <p:childTnLst>
+                                    <p:set>
+                                      <p:cBhvr>
+                                        <p:cTn id="30" dur="1" fill="hold">
+                                          <p:stCondLst>
+                                            <p:cond delay="0"/>
+                                          </p:stCondLst>
+                                        </p:cTn>
+                                        <p:tgtEl>
+                                          <p:spTgt spid="11">
+                                            <p:txEl>
+                                              <p:pRg st="4" end="4"/>
+                                            </p:txEl>
+                                          </p:spTgt>
+                                        </p:tgtEl>
+                                        <p:attrNameLst>
+                                          <p:attrName>style.visibility</p:attrName>
+                                        </p:attrNameLst>
+                                      </p:cBhvr>
+                                      <p:to>
+                                        <p:strVal val="visible"/>
+                                      </p:to>
+                                    </p:set>
+                                  </p:childTnLst>
+                                </p:cTn>
+                              </p:par>
+                            </p:childTnLst>
+                          </p:cTn>
+                        </p:par>
+                      </p:childTnLst>
+                    </p:cTn>
+                  </p:par>
+                </p:childTnLst>
+              </p:cTn>
+              <p:prevCondLst>
+                <p:cond evt="onPrev" delay="0">
+                  <p:tgtEl>
+                    <p:sldTgt/>
+                  </p:tgtEl>
+                </p:cond>
+              </p:prevCondLst>
+              <p:nextCondLst>
+                <p:cond evt="onNext" delay="0">
+                  <p:tgtEl>
+                    <p:sldTgt/>
+                  </p:tgtEl>
+                </p:cond>
+              </p:nextCondLst>
+            </p:seq>
+          </p:childTnLst>
+        </p:cTn>
+      </p:par>
+    </p:tnLst>
+    <p:bldLst>
+      <p:bldP spid="11" grpId="0" uiExpand="1" build="p"/>
+      <p:bldP spid="13" grpId="0" uiExpand="1" build="p"/>
+    </p:bldLst>
+  </p:timing>
 </p:sld>
 </file>
 
@@ -10030,6 +11024,366 @@
   <p:clrMapOvr>
     <a:masterClrMapping/>
   </p:clrMapOvr>
+  <p:timing>
+    <p:tnLst>
+      <p:par>
+        <p:cTn id="1" dur="indefinite" restart="never" nodeType="tmRoot">
+          <p:childTnLst>
+            <p:seq concurrent="1" nextAc="seek">
+              <p:cTn id="2" dur="indefinite" nodeType="mainSeq">
+                <p:childTnLst>
+                  <p:par>
+                    <p:cTn id="3" fill="hold">
+                      <p:stCondLst>
+                        <p:cond delay="indefinite"/>
+                      </p:stCondLst>
+                      <p:childTnLst>
+                        <p:par>
+                          <p:cTn id="4" fill="hold">
+                            <p:stCondLst>
+                              <p:cond delay="0"/>
+                            </p:stCondLst>
+                            <p:childTnLst>
+                              <p:par>
+                                <p:cTn id="5" presetID="1" presetClass="entr" presetSubtype="0" fill="hold" grpId="0" nodeType="clickEffect">
+                                  <p:stCondLst>
+                                    <p:cond delay="0"/>
+                                  </p:stCondLst>
+                                  <p:childTnLst>
+                                    <p:set>
+                                      <p:cBhvr>
+                                        <p:cTn id="6" dur="1" fill="hold">
+                                          <p:stCondLst>
+                                            <p:cond delay="0"/>
+                                          </p:stCondLst>
+                                        </p:cTn>
+                                        <p:tgtEl>
+                                          <p:spTgt spid="12"/>
+                                        </p:tgtEl>
+                                        <p:attrNameLst>
+                                          <p:attrName>style.visibility</p:attrName>
+                                        </p:attrNameLst>
+                                      </p:cBhvr>
+                                      <p:to>
+                                        <p:strVal val="visible"/>
+                                      </p:to>
+                                    </p:set>
+                                  </p:childTnLst>
+                                </p:cTn>
+                              </p:par>
+                            </p:childTnLst>
+                          </p:cTn>
+                        </p:par>
+                      </p:childTnLst>
+                    </p:cTn>
+                  </p:par>
+                  <p:par>
+                    <p:cTn id="7" fill="hold">
+                      <p:stCondLst>
+                        <p:cond delay="indefinite"/>
+                      </p:stCondLst>
+                      <p:childTnLst>
+                        <p:par>
+                          <p:cTn id="8" fill="hold">
+                            <p:stCondLst>
+                              <p:cond delay="0"/>
+                            </p:stCondLst>
+                            <p:childTnLst>
+                              <p:par>
+                                <p:cTn id="9" presetID="1" presetClass="entr" presetSubtype="0" fill="hold" grpId="0" nodeType="clickEffect">
+                                  <p:stCondLst>
+                                    <p:cond delay="0"/>
+                                  </p:stCondLst>
+                                  <p:childTnLst>
+                                    <p:set>
+                                      <p:cBhvr>
+                                        <p:cTn id="10" dur="1" fill="hold">
+                                          <p:stCondLst>
+                                            <p:cond delay="0"/>
+                                          </p:stCondLst>
+                                        </p:cTn>
+                                        <p:tgtEl>
+                                          <p:spTgt spid="5"/>
+                                        </p:tgtEl>
+                                        <p:attrNameLst>
+                                          <p:attrName>style.visibility</p:attrName>
+                                        </p:attrNameLst>
+                                      </p:cBhvr>
+                                      <p:to>
+                                        <p:strVal val="visible"/>
+                                      </p:to>
+                                    </p:set>
+                                  </p:childTnLst>
+                                </p:cTn>
+                              </p:par>
+                              <p:par>
+                                <p:cTn id="11" presetID="1" presetClass="entr" presetSubtype="0" fill="hold" grpId="0" nodeType="withEffect">
+                                  <p:stCondLst>
+                                    <p:cond delay="0"/>
+                                  </p:stCondLst>
+                                  <p:childTnLst>
+                                    <p:set>
+                                      <p:cBhvr>
+                                        <p:cTn id="12" dur="1" fill="hold">
+                                          <p:stCondLst>
+                                            <p:cond delay="0"/>
+                                          </p:stCondLst>
+                                        </p:cTn>
+                                        <p:tgtEl>
+                                          <p:spTgt spid="14"/>
+                                        </p:tgtEl>
+                                        <p:attrNameLst>
+                                          <p:attrName>style.visibility</p:attrName>
+                                        </p:attrNameLst>
+                                      </p:cBhvr>
+                                      <p:to>
+                                        <p:strVal val="visible"/>
+                                      </p:to>
+                                    </p:set>
+                                  </p:childTnLst>
+                                </p:cTn>
+                              </p:par>
+                            </p:childTnLst>
+                          </p:cTn>
+                        </p:par>
+                      </p:childTnLst>
+                    </p:cTn>
+                  </p:par>
+                  <p:par>
+                    <p:cTn id="13" fill="hold">
+                      <p:stCondLst>
+                        <p:cond delay="indefinite"/>
+                      </p:stCondLst>
+                      <p:childTnLst>
+                        <p:par>
+                          <p:cTn id="14" fill="hold">
+                            <p:stCondLst>
+                              <p:cond delay="0"/>
+                            </p:stCondLst>
+                            <p:childTnLst>
+                              <p:par>
+                                <p:cTn id="15" presetID="1" presetClass="entr" presetSubtype="0" fill="hold" grpId="0" nodeType="clickEffect">
+                                  <p:stCondLst>
+                                    <p:cond delay="0"/>
+                                  </p:stCondLst>
+                                  <p:childTnLst>
+                                    <p:set>
+                                      <p:cBhvr>
+                                        <p:cTn id="16" dur="1" fill="hold">
+                                          <p:stCondLst>
+                                            <p:cond delay="0"/>
+                                          </p:stCondLst>
+                                        </p:cTn>
+                                        <p:tgtEl>
+                                          <p:spTgt spid="15"/>
+                                        </p:tgtEl>
+                                        <p:attrNameLst>
+                                          <p:attrName>style.visibility</p:attrName>
+                                        </p:attrNameLst>
+                                      </p:cBhvr>
+                                      <p:to>
+                                        <p:strVal val="visible"/>
+                                      </p:to>
+                                    </p:set>
+                                  </p:childTnLst>
+                                </p:cTn>
+                              </p:par>
+                              <p:par>
+                                <p:cTn id="17" presetID="1" presetClass="entr" presetSubtype="0" fill="hold" grpId="0" nodeType="withEffect">
+                                  <p:stCondLst>
+                                    <p:cond delay="0"/>
+                                  </p:stCondLst>
+                                  <p:childTnLst>
+                                    <p:set>
+                                      <p:cBhvr>
+                                        <p:cTn id="18" dur="1" fill="hold">
+                                          <p:stCondLst>
+                                            <p:cond delay="0"/>
+                                          </p:stCondLst>
+                                        </p:cTn>
+                                        <p:tgtEl>
+                                          <p:spTgt spid="13"/>
+                                        </p:tgtEl>
+                                        <p:attrNameLst>
+                                          <p:attrName>style.visibility</p:attrName>
+                                        </p:attrNameLst>
+                                      </p:cBhvr>
+                                      <p:to>
+                                        <p:strVal val="visible"/>
+                                      </p:to>
+                                    </p:set>
+                                  </p:childTnLst>
+                                </p:cTn>
+                              </p:par>
+                            </p:childTnLst>
+                          </p:cTn>
+                        </p:par>
+                      </p:childTnLst>
+                    </p:cTn>
+                  </p:par>
+                  <p:par>
+                    <p:cTn id="19" fill="hold">
+                      <p:stCondLst>
+                        <p:cond delay="indefinite"/>
+                      </p:stCondLst>
+                      <p:childTnLst>
+                        <p:par>
+                          <p:cTn id="20" fill="hold">
+                            <p:stCondLst>
+                              <p:cond delay="0"/>
+                            </p:stCondLst>
+                            <p:childTnLst>
+                              <p:par>
+                                <p:cTn id="21" presetID="1" presetClass="entr" presetSubtype="0" fill="hold" grpId="0" nodeType="clickEffect">
+                                  <p:stCondLst>
+                                    <p:cond delay="0"/>
+                                  </p:stCondLst>
+                                  <p:childTnLst>
+                                    <p:set>
+                                      <p:cBhvr>
+                                        <p:cTn id="22" dur="1" fill="hold">
+                                          <p:stCondLst>
+                                            <p:cond delay="0"/>
+                                          </p:stCondLst>
+                                        </p:cTn>
+                                        <p:tgtEl>
+                                          <p:spTgt spid="8"/>
+                                        </p:tgtEl>
+                                        <p:attrNameLst>
+                                          <p:attrName>style.visibility</p:attrName>
+                                        </p:attrNameLst>
+                                      </p:cBhvr>
+                                      <p:to>
+                                        <p:strVal val="visible"/>
+                                      </p:to>
+                                    </p:set>
+                                  </p:childTnLst>
+                                </p:cTn>
+                              </p:par>
+                              <p:par>
+                                <p:cTn id="23" presetID="1" presetClass="entr" presetSubtype="0" fill="hold" grpId="0" nodeType="withEffect">
+                                  <p:stCondLst>
+                                    <p:cond delay="0"/>
+                                  </p:stCondLst>
+                                  <p:childTnLst>
+                                    <p:set>
+                                      <p:cBhvr>
+                                        <p:cTn id="24" dur="1" fill="hold">
+                                          <p:stCondLst>
+                                            <p:cond delay="0"/>
+                                          </p:stCondLst>
+                                        </p:cTn>
+                                        <p:tgtEl>
+                                          <p:spTgt spid="10"/>
+                                        </p:tgtEl>
+                                        <p:attrNameLst>
+                                          <p:attrName>style.visibility</p:attrName>
+                                        </p:attrNameLst>
+                                      </p:cBhvr>
+                                      <p:to>
+                                        <p:strVal val="visible"/>
+                                      </p:to>
+                                    </p:set>
+                                  </p:childTnLst>
+                                </p:cTn>
+                              </p:par>
+                              <p:par>
+                                <p:cTn id="25" presetID="1" presetClass="entr" presetSubtype="0" fill="hold" grpId="0" nodeType="withEffect">
+                                  <p:stCondLst>
+                                    <p:cond delay="0"/>
+                                  </p:stCondLst>
+                                  <p:childTnLst>
+                                    <p:set>
+                                      <p:cBhvr>
+                                        <p:cTn id="26" dur="1" fill="hold">
+                                          <p:stCondLst>
+                                            <p:cond delay="0"/>
+                                          </p:stCondLst>
+                                        </p:cTn>
+                                        <p:tgtEl>
+                                          <p:spTgt spid="6"/>
+                                        </p:tgtEl>
+                                        <p:attrNameLst>
+                                          <p:attrName>style.visibility</p:attrName>
+                                        </p:attrNameLst>
+                                      </p:cBhvr>
+                                      <p:to>
+                                        <p:strVal val="visible"/>
+                                      </p:to>
+                                    </p:set>
+                                  </p:childTnLst>
+                                </p:cTn>
+                              </p:par>
+                              <p:par>
+                                <p:cTn id="27" presetID="1" presetClass="entr" presetSubtype="0" fill="hold" grpId="0" nodeType="withEffect">
+                                  <p:stCondLst>
+                                    <p:cond delay="0"/>
+                                  </p:stCondLst>
+                                  <p:childTnLst>
+                                    <p:set>
+                                      <p:cBhvr>
+                                        <p:cTn id="28" dur="1" fill="hold">
+                                          <p:stCondLst>
+                                            <p:cond delay="0"/>
+                                          </p:stCondLst>
+                                        </p:cTn>
+                                        <p:tgtEl>
+                                          <p:spTgt spid="9"/>
+                                        </p:tgtEl>
+                                        <p:attrNameLst>
+                                          <p:attrName>style.visibility</p:attrName>
+                                        </p:attrNameLst>
+                                      </p:cBhvr>
+                                      <p:to>
+                                        <p:strVal val="visible"/>
+                                      </p:to>
+                                    </p:set>
+                                  </p:childTnLst>
+                                </p:cTn>
+                              </p:par>
+                            </p:childTnLst>
+                          </p:cTn>
+                        </p:par>
+                      </p:childTnLst>
+                    </p:cTn>
+                  </p:par>
+                </p:childTnLst>
+              </p:cTn>
+              <p:prevCondLst>
+                <p:cond evt="onPrev" delay="0">
+                  <p:tgtEl>
+                    <p:sldTgt/>
+                  </p:tgtEl>
+                </p:cond>
+              </p:prevCondLst>
+              <p:nextCondLst>
+                <p:cond evt="onNext" delay="0">
+                  <p:tgtEl>
+                    <p:sldTgt/>
+                  </p:tgtEl>
+                </p:cond>
+              </p:nextCondLst>
+            </p:seq>
+          </p:childTnLst>
+        </p:cTn>
+      </p:par>
+    </p:tnLst>
+    <p:bldLst>
+      <p:bldGraphic spid="5" grpId="0">
+        <p:bldAsOne/>
+      </p:bldGraphic>
+      <p:bldGraphic spid="6" grpId="0">
+        <p:bldAsOne/>
+      </p:bldGraphic>
+      <p:bldP spid="8" grpId="0" animBg="1"/>
+      <p:bldP spid="9" grpId="0" animBg="1"/>
+      <p:bldP spid="10" grpId="0"/>
+      <p:bldP spid="12" grpId="0" animBg="1"/>
+      <p:bldP spid="13" grpId="0" animBg="1"/>
+      <p:bldP spid="14" grpId="0" animBg="1"/>
+      <p:bldP spid="15" grpId="0" animBg="1"/>
+    </p:bldLst>
+  </p:timing>
 </p:sld>
 </file>
 
@@ -10313,6 +11667,72 @@
     <p:extLst>
       <p:ext uri="{BB962C8B-B14F-4D97-AF65-F5344CB8AC3E}">
         <p14:creationId xmlns:p14="http://schemas.microsoft.com/office/powerpoint/2010/main" val="3219308114"/>
+      </p:ext>
+    </p:extLst>
+  </p:cSld>
+  <p:clrMapOvr>
+    <a:masterClrMapping/>
+  </p:clrMapOvr>
+</p:sld>
+</file>
+
+<file path=ppt/slides/slide9.xml><?xml version="1.0" encoding="utf-8"?>
+<p:sld xmlns:a="http://schemas.openxmlformats.org/drawingml/2006/main" xmlns:r="http://schemas.openxmlformats.org/officeDocument/2006/relationships" xmlns:p="http://schemas.openxmlformats.org/presentationml/2006/main">
+  <p:cSld>
+    <p:spTree>
+      <p:nvGrpSpPr>
+        <p:cNvPr id="1" name=""/>
+        <p:cNvGrpSpPr/>
+        <p:nvPr/>
+      </p:nvGrpSpPr>
+      <p:grpSpPr>
+        <a:xfrm>
+          <a:off x="0" y="0"/>
+          <a:ext cx="0" cy="0"/>
+          <a:chOff x="0" y="0"/>
+          <a:chExt cx="0" cy="0"/>
+        </a:xfrm>
+      </p:grpSpPr>
+      <p:sp>
+        <p:nvSpPr>
+          <p:cNvPr id="4" name="TextBox 3">
+            <a:extLst>
+              <a:ext uri="{FF2B5EF4-FFF2-40B4-BE49-F238E27FC236}">
+                <a16:creationId xmlns:a16="http://schemas.microsoft.com/office/drawing/2014/main" id="{58A1ED37-1F53-4F89-BA1F-E5931E647668}"/>
+              </a:ext>
+            </a:extLst>
+          </p:cNvPr>
+          <p:cNvSpPr txBox="1"/>
+          <p:nvPr/>
+        </p:nvSpPr>
+        <p:spPr>
+          <a:xfrm>
+            <a:off x="3950829" y="2828836"/>
+            <a:ext cx="4290342" cy="1200329"/>
+          </a:xfrm>
+          <a:prstGeom prst="rect">
+            <a:avLst/>
+          </a:prstGeom>
+          <a:noFill/>
+        </p:spPr>
+        <p:txBody>
+          <a:bodyPr wrap="none" rtlCol="0">
+            <a:spAutoFit/>
+          </a:bodyPr>
+          <a:lstStyle/>
+          <a:p>
+            <a:r>
+              <a:rPr lang="en-US" sz="7200" dirty="0"/>
+              <a:t>Thank you.</a:t>
+            </a:r>
+            <a:endParaRPr lang="en-DE" sz="7200" dirty="0"/>
+          </a:p>
+        </p:txBody>
+      </p:sp>
+    </p:spTree>
+    <p:extLst>
+      <p:ext uri="{BB962C8B-B14F-4D97-AF65-F5344CB8AC3E}">
+        <p14:creationId xmlns:p14="http://schemas.microsoft.com/office/powerpoint/2010/main" val="1490961301"/>
       </p:ext>
     </p:extLst>
   </p:cSld>
